--- a/_umkc-teaching/slides/Lecture8.pptx
+++ b/_umkc-teaching/slides/Lecture8.pptx
@@ -5,7 +5,7 @@
     <p:sldMasterId id="2147483660" r:id="rId1"/>
   </p:sldMasterIdLst>
   <p:notesMasterIdLst>
-    <p:notesMasterId r:id="rId13"/>
+    <p:notesMasterId r:id="rId20"/>
   </p:notesMasterIdLst>
   <p:sldIdLst>
     <p:sldId id="257" r:id="rId2"/>
@@ -18,7 +18,14 @@
     <p:sldId id="347" r:id="rId9"/>
     <p:sldId id="348" r:id="rId10"/>
     <p:sldId id="349" r:id="rId11"/>
-    <p:sldId id="325" r:id="rId12"/>
+    <p:sldId id="350" r:id="rId12"/>
+    <p:sldId id="351" r:id="rId13"/>
+    <p:sldId id="352" r:id="rId14"/>
+    <p:sldId id="353" r:id="rId15"/>
+    <p:sldId id="354" r:id="rId16"/>
+    <p:sldId id="355" r:id="rId17"/>
+    <p:sldId id="356" r:id="rId18"/>
+    <p:sldId id="325" r:id="rId19"/>
   </p:sldIdLst>
   <p:sldSz cx="12192000" cy="6858000"/>
   <p:notesSz cx="6858000" cy="9144000"/>
@@ -554,6 +561,629 @@
     <p:extLst>
       <p:ext uri="{BB962C8B-B14F-4D97-AF65-F5344CB8AC3E}">
         <p14:creationId xmlns:p14="http://schemas.microsoft.com/office/powerpoint/2010/main" val="3449238349"/>
+      </p:ext>
+    </p:extLst>
+  </p:cSld>
+  <p:clrMapOvr>
+    <a:masterClrMapping/>
+  </p:clrMapOvr>
+</p:notes>
+</file>
+
+<file path=ppt/notesSlides/notesSlide10.xml><?xml version="1.0" encoding="utf-8"?>
+<p:notes xmlns:a="http://schemas.openxmlformats.org/drawingml/2006/main" xmlns:r="http://schemas.openxmlformats.org/officeDocument/2006/relationships" xmlns:p="http://schemas.openxmlformats.org/presentationml/2006/main">
+  <p:cSld>
+    <p:spTree>
+      <p:nvGrpSpPr>
+        <p:cNvPr id="1" name=""/>
+        <p:cNvGrpSpPr/>
+        <p:nvPr/>
+      </p:nvGrpSpPr>
+      <p:grpSpPr>
+        <a:xfrm>
+          <a:off x="0" y="0"/>
+          <a:ext cx="0" cy="0"/>
+          <a:chOff x="0" y="0"/>
+          <a:chExt cx="0" cy="0"/>
+        </a:xfrm>
+      </p:grpSpPr>
+      <p:sp>
+        <p:nvSpPr>
+          <p:cNvPr id="2" name="Slide Image Placeholder 1"/>
+          <p:cNvSpPr>
+            <a:spLocks noGrp="1" noRot="1" noChangeAspect="1"/>
+          </p:cNvSpPr>
+          <p:nvPr>
+            <p:ph type="sldImg"/>
+          </p:nvPr>
+        </p:nvSpPr>
+        <p:spPr>
+          <a:xfrm>
+            <a:off x="685800" y="1143000"/>
+            <a:ext cx="5486400" cy="3086100"/>
+          </a:xfrm>
+        </p:spPr>
+      </p:sp>
+      <p:sp>
+        <p:nvSpPr>
+          <p:cNvPr id="3" name="Notes Placeholder 2"/>
+          <p:cNvSpPr>
+            <a:spLocks noGrp="1"/>
+          </p:cNvSpPr>
+          <p:nvPr>
+            <p:ph type="body" idx="1"/>
+          </p:nvPr>
+        </p:nvSpPr>
+        <p:spPr/>
+        <p:txBody>
+          <a:bodyPr/>
+          <a:lstStyle/>
+          <a:p>
+            <a:endParaRPr lang="en-US" dirty="0"/>
+          </a:p>
+        </p:txBody>
+      </p:sp>
+      <p:sp>
+        <p:nvSpPr>
+          <p:cNvPr id="4" name="Slide Number Placeholder 3"/>
+          <p:cNvSpPr>
+            <a:spLocks noGrp="1"/>
+          </p:cNvSpPr>
+          <p:nvPr>
+            <p:ph type="sldNum" sz="quarter" idx="5"/>
+          </p:nvPr>
+        </p:nvSpPr>
+        <p:spPr/>
+        <p:txBody>
+          <a:bodyPr/>
+          <a:lstStyle/>
+          <a:p>
+            <a:fld id="{3F8BDF20-BE86-4883-8A23-4CE3D0058BEA}" type="slidenum">
+              <a:rPr lang="en-US" smtClean="0"/>
+              <a:t>11</a:t>
+            </a:fld>
+            <a:endParaRPr lang="en-US"/>
+          </a:p>
+        </p:txBody>
+      </p:sp>
+    </p:spTree>
+    <p:extLst>
+      <p:ext uri="{BB962C8B-B14F-4D97-AF65-F5344CB8AC3E}">
+        <p14:creationId xmlns:p14="http://schemas.microsoft.com/office/powerpoint/2010/main" val="2211840685"/>
+      </p:ext>
+    </p:extLst>
+  </p:cSld>
+  <p:clrMapOvr>
+    <a:masterClrMapping/>
+  </p:clrMapOvr>
+</p:notes>
+</file>
+
+<file path=ppt/notesSlides/notesSlide11.xml><?xml version="1.0" encoding="utf-8"?>
+<p:notes xmlns:a="http://schemas.openxmlformats.org/drawingml/2006/main" xmlns:r="http://schemas.openxmlformats.org/officeDocument/2006/relationships" xmlns:p="http://schemas.openxmlformats.org/presentationml/2006/main">
+  <p:cSld>
+    <p:spTree>
+      <p:nvGrpSpPr>
+        <p:cNvPr id="1" name=""/>
+        <p:cNvGrpSpPr/>
+        <p:nvPr/>
+      </p:nvGrpSpPr>
+      <p:grpSpPr>
+        <a:xfrm>
+          <a:off x="0" y="0"/>
+          <a:ext cx="0" cy="0"/>
+          <a:chOff x="0" y="0"/>
+          <a:chExt cx="0" cy="0"/>
+        </a:xfrm>
+      </p:grpSpPr>
+      <p:sp>
+        <p:nvSpPr>
+          <p:cNvPr id="2" name="Slide Image Placeholder 1"/>
+          <p:cNvSpPr>
+            <a:spLocks noGrp="1" noRot="1" noChangeAspect="1"/>
+          </p:cNvSpPr>
+          <p:nvPr>
+            <p:ph type="sldImg"/>
+          </p:nvPr>
+        </p:nvSpPr>
+        <p:spPr>
+          <a:xfrm>
+            <a:off x="685800" y="1143000"/>
+            <a:ext cx="5486400" cy="3086100"/>
+          </a:xfrm>
+        </p:spPr>
+      </p:sp>
+      <p:sp>
+        <p:nvSpPr>
+          <p:cNvPr id="3" name="Notes Placeholder 2"/>
+          <p:cNvSpPr>
+            <a:spLocks noGrp="1"/>
+          </p:cNvSpPr>
+          <p:nvPr>
+            <p:ph type="body" idx="1"/>
+          </p:nvPr>
+        </p:nvSpPr>
+        <p:spPr/>
+        <p:txBody>
+          <a:bodyPr/>
+          <a:lstStyle/>
+          <a:p>
+            <a:endParaRPr lang="en-US" dirty="0"/>
+          </a:p>
+        </p:txBody>
+      </p:sp>
+      <p:sp>
+        <p:nvSpPr>
+          <p:cNvPr id="4" name="Slide Number Placeholder 3"/>
+          <p:cNvSpPr>
+            <a:spLocks noGrp="1"/>
+          </p:cNvSpPr>
+          <p:nvPr>
+            <p:ph type="sldNum" sz="quarter" idx="5"/>
+          </p:nvPr>
+        </p:nvSpPr>
+        <p:spPr/>
+        <p:txBody>
+          <a:bodyPr/>
+          <a:lstStyle/>
+          <a:p>
+            <a:fld id="{3F8BDF20-BE86-4883-8A23-4CE3D0058BEA}" type="slidenum">
+              <a:rPr lang="en-US" smtClean="0"/>
+              <a:t>12</a:t>
+            </a:fld>
+            <a:endParaRPr lang="en-US"/>
+          </a:p>
+        </p:txBody>
+      </p:sp>
+    </p:spTree>
+    <p:extLst>
+      <p:ext uri="{BB962C8B-B14F-4D97-AF65-F5344CB8AC3E}">
+        <p14:creationId xmlns:p14="http://schemas.microsoft.com/office/powerpoint/2010/main" val="844412209"/>
+      </p:ext>
+    </p:extLst>
+  </p:cSld>
+  <p:clrMapOvr>
+    <a:masterClrMapping/>
+  </p:clrMapOvr>
+</p:notes>
+</file>
+
+<file path=ppt/notesSlides/notesSlide12.xml><?xml version="1.0" encoding="utf-8"?>
+<p:notes xmlns:a="http://schemas.openxmlformats.org/drawingml/2006/main" xmlns:r="http://schemas.openxmlformats.org/officeDocument/2006/relationships" xmlns:p="http://schemas.openxmlformats.org/presentationml/2006/main">
+  <p:cSld>
+    <p:spTree>
+      <p:nvGrpSpPr>
+        <p:cNvPr id="1" name=""/>
+        <p:cNvGrpSpPr/>
+        <p:nvPr/>
+      </p:nvGrpSpPr>
+      <p:grpSpPr>
+        <a:xfrm>
+          <a:off x="0" y="0"/>
+          <a:ext cx="0" cy="0"/>
+          <a:chOff x="0" y="0"/>
+          <a:chExt cx="0" cy="0"/>
+        </a:xfrm>
+      </p:grpSpPr>
+      <p:sp>
+        <p:nvSpPr>
+          <p:cNvPr id="2" name="Slide Image Placeholder 1"/>
+          <p:cNvSpPr>
+            <a:spLocks noGrp="1" noRot="1" noChangeAspect="1"/>
+          </p:cNvSpPr>
+          <p:nvPr>
+            <p:ph type="sldImg"/>
+          </p:nvPr>
+        </p:nvSpPr>
+        <p:spPr>
+          <a:xfrm>
+            <a:off x="685800" y="1143000"/>
+            <a:ext cx="5486400" cy="3086100"/>
+          </a:xfrm>
+        </p:spPr>
+      </p:sp>
+      <p:sp>
+        <p:nvSpPr>
+          <p:cNvPr id="3" name="Notes Placeholder 2"/>
+          <p:cNvSpPr>
+            <a:spLocks noGrp="1"/>
+          </p:cNvSpPr>
+          <p:nvPr>
+            <p:ph type="body" idx="1"/>
+          </p:nvPr>
+        </p:nvSpPr>
+        <p:spPr/>
+        <p:txBody>
+          <a:bodyPr/>
+          <a:lstStyle/>
+          <a:p>
+            <a:endParaRPr lang="en-US" dirty="0"/>
+          </a:p>
+        </p:txBody>
+      </p:sp>
+      <p:sp>
+        <p:nvSpPr>
+          <p:cNvPr id="4" name="Slide Number Placeholder 3"/>
+          <p:cNvSpPr>
+            <a:spLocks noGrp="1"/>
+          </p:cNvSpPr>
+          <p:nvPr>
+            <p:ph type="sldNum" sz="quarter" idx="5"/>
+          </p:nvPr>
+        </p:nvSpPr>
+        <p:spPr/>
+        <p:txBody>
+          <a:bodyPr/>
+          <a:lstStyle/>
+          <a:p>
+            <a:fld id="{3F8BDF20-BE86-4883-8A23-4CE3D0058BEA}" type="slidenum">
+              <a:rPr lang="en-US" smtClean="0"/>
+              <a:t>13</a:t>
+            </a:fld>
+            <a:endParaRPr lang="en-US"/>
+          </a:p>
+        </p:txBody>
+      </p:sp>
+    </p:spTree>
+    <p:extLst>
+      <p:ext uri="{BB962C8B-B14F-4D97-AF65-F5344CB8AC3E}">
+        <p14:creationId xmlns:p14="http://schemas.microsoft.com/office/powerpoint/2010/main" val="223822394"/>
+      </p:ext>
+    </p:extLst>
+  </p:cSld>
+  <p:clrMapOvr>
+    <a:masterClrMapping/>
+  </p:clrMapOvr>
+</p:notes>
+</file>
+
+<file path=ppt/notesSlides/notesSlide13.xml><?xml version="1.0" encoding="utf-8"?>
+<p:notes xmlns:a="http://schemas.openxmlformats.org/drawingml/2006/main" xmlns:r="http://schemas.openxmlformats.org/officeDocument/2006/relationships" xmlns:p="http://schemas.openxmlformats.org/presentationml/2006/main">
+  <p:cSld>
+    <p:spTree>
+      <p:nvGrpSpPr>
+        <p:cNvPr id="1" name=""/>
+        <p:cNvGrpSpPr/>
+        <p:nvPr/>
+      </p:nvGrpSpPr>
+      <p:grpSpPr>
+        <a:xfrm>
+          <a:off x="0" y="0"/>
+          <a:ext cx="0" cy="0"/>
+          <a:chOff x="0" y="0"/>
+          <a:chExt cx="0" cy="0"/>
+        </a:xfrm>
+      </p:grpSpPr>
+      <p:sp>
+        <p:nvSpPr>
+          <p:cNvPr id="2" name="Slide Image Placeholder 1"/>
+          <p:cNvSpPr>
+            <a:spLocks noGrp="1" noRot="1" noChangeAspect="1"/>
+          </p:cNvSpPr>
+          <p:nvPr>
+            <p:ph type="sldImg"/>
+          </p:nvPr>
+        </p:nvSpPr>
+        <p:spPr>
+          <a:xfrm>
+            <a:off x="685800" y="1143000"/>
+            <a:ext cx="5486400" cy="3086100"/>
+          </a:xfrm>
+        </p:spPr>
+      </p:sp>
+      <p:sp>
+        <p:nvSpPr>
+          <p:cNvPr id="3" name="Notes Placeholder 2"/>
+          <p:cNvSpPr>
+            <a:spLocks noGrp="1"/>
+          </p:cNvSpPr>
+          <p:nvPr>
+            <p:ph type="body" idx="1"/>
+          </p:nvPr>
+        </p:nvSpPr>
+        <p:spPr/>
+        <p:txBody>
+          <a:bodyPr/>
+          <a:lstStyle/>
+          <a:p>
+            <a:endParaRPr lang="en-US" dirty="0"/>
+          </a:p>
+        </p:txBody>
+      </p:sp>
+      <p:sp>
+        <p:nvSpPr>
+          <p:cNvPr id="4" name="Slide Number Placeholder 3"/>
+          <p:cNvSpPr>
+            <a:spLocks noGrp="1"/>
+          </p:cNvSpPr>
+          <p:nvPr>
+            <p:ph type="sldNum" sz="quarter" idx="5"/>
+          </p:nvPr>
+        </p:nvSpPr>
+        <p:spPr/>
+        <p:txBody>
+          <a:bodyPr/>
+          <a:lstStyle/>
+          <a:p>
+            <a:fld id="{3F8BDF20-BE86-4883-8A23-4CE3D0058BEA}" type="slidenum">
+              <a:rPr lang="en-US" smtClean="0"/>
+              <a:t>14</a:t>
+            </a:fld>
+            <a:endParaRPr lang="en-US"/>
+          </a:p>
+        </p:txBody>
+      </p:sp>
+    </p:spTree>
+    <p:extLst>
+      <p:ext uri="{BB962C8B-B14F-4D97-AF65-F5344CB8AC3E}">
+        <p14:creationId xmlns:p14="http://schemas.microsoft.com/office/powerpoint/2010/main" val="4103770765"/>
+      </p:ext>
+    </p:extLst>
+  </p:cSld>
+  <p:clrMapOvr>
+    <a:masterClrMapping/>
+  </p:clrMapOvr>
+</p:notes>
+</file>
+
+<file path=ppt/notesSlides/notesSlide14.xml><?xml version="1.0" encoding="utf-8"?>
+<p:notes xmlns:a="http://schemas.openxmlformats.org/drawingml/2006/main" xmlns:r="http://schemas.openxmlformats.org/officeDocument/2006/relationships" xmlns:p="http://schemas.openxmlformats.org/presentationml/2006/main">
+  <p:cSld>
+    <p:spTree>
+      <p:nvGrpSpPr>
+        <p:cNvPr id="1" name=""/>
+        <p:cNvGrpSpPr/>
+        <p:nvPr/>
+      </p:nvGrpSpPr>
+      <p:grpSpPr>
+        <a:xfrm>
+          <a:off x="0" y="0"/>
+          <a:ext cx="0" cy="0"/>
+          <a:chOff x="0" y="0"/>
+          <a:chExt cx="0" cy="0"/>
+        </a:xfrm>
+      </p:grpSpPr>
+      <p:sp>
+        <p:nvSpPr>
+          <p:cNvPr id="2" name="Slide Image Placeholder 1"/>
+          <p:cNvSpPr>
+            <a:spLocks noGrp="1" noRot="1" noChangeAspect="1"/>
+          </p:cNvSpPr>
+          <p:nvPr>
+            <p:ph type="sldImg"/>
+          </p:nvPr>
+        </p:nvSpPr>
+        <p:spPr>
+          <a:xfrm>
+            <a:off x="685800" y="1143000"/>
+            <a:ext cx="5486400" cy="3086100"/>
+          </a:xfrm>
+        </p:spPr>
+      </p:sp>
+      <p:sp>
+        <p:nvSpPr>
+          <p:cNvPr id="3" name="Notes Placeholder 2"/>
+          <p:cNvSpPr>
+            <a:spLocks noGrp="1"/>
+          </p:cNvSpPr>
+          <p:nvPr>
+            <p:ph type="body" idx="1"/>
+          </p:nvPr>
+        </p:nvSpPr>
+        <p:spPr/>
+        <p:txBody>
+          <a:bodyPr/>
+          <a:lstStyle/>
+          <a:p>
+            <a:endParaRPr lang="en-US" dirty="0"/>
+          </a:p>
+        </p:txBody>
+      </p:sp>
+      <p:sp>
+        <p:nvSpPr>
+          <p:cNvPr id="4" name="Slide Number Placeholder 3"/>
+          <p:cNvSpPr>
+            <a:spLocks noGrp="1"/>
+          </p:cNvSpPr>
+          <p:nvPr>
+            <p:ph type="sldNum" sz="quarter" idx="5"/>
+          </p:nvPr>
+        </p:nvSpPr>
+        <p:spPr/>
+        <p:txBody>
+          <a:bodyPr/>
+          <a:lstStyle/>
+          <a:p>
+            <a:fld id="{3F8BDF20-BE86-4883-8A23-4CE3D0058BEA}" type="slidenum">
+              <a:rPr lang="en-US" smtClean="0"/>
+              <a:t>15</a:t>
+            </a:fld>
+            <a:endParaRPr lang="en-US"/>
+          </a:p>
+        </p:txBody>
+      </p:sp>
+    </p:spTree>
+    <p:extLst>
+      <p:ext uri="{BB962C8B-B14F-4D97-AF65-F5344CB8AC3E}">
+        <p14:creationId xmlns:p14="http://schemas.microsoft.com/office/powerpoint/2010/main" val="3859038756"/>
+      </p:ext>
+    </p:extLst>
+  </p:cSld>
+  <p:clrMapOvr>
+    <a:masterClrMapping/>
+  </p:clrMapOvr>
+</p:notes>
+</file>
+
+<file path=ppt/notesSlides/notesSlide15.xml><?xml version="1.0" encoding="utf-8"?>
+<p:notes xmlns:a="http://schemas.openxmlformats.org/drawingml/2006/main" xmlns:r="http://schemas.openxmlformats.org/officeDocument/2006/relationships" xmlns:p="http://schemas.openxmlformats.org/presentationml/2006/main">
+  <p:cSld>
+    <p:spTree>
+      <p:nvGrpSpPr>
+        <p:cNvPr id="1" name=""/>
+        <p:cNvGrpSpPr/>
+        <p:nvPr/>
+      </p:nvGrpSpPr>
+      <p:grpSpPr>
+        <a:xfrm>
+          <a:off x="0" y="0"/>
+          <a:ext cx="0" cy="0"/>
+          <a:chOff x="0" y="0"/>
+          <a:chExt cx="0" cy="0"/>
+        </a:xfrm>
+      </p:grpSpPr>
+      <p:sp>
+        <p:nvSpPr>
+          <p:cNvPr id="2" name="Slide Image Placeholder 1"/>
+          <p:cNvSpPr>
+            <a:spLocks noGrp="1" noRot="1" noChangeAspect="1"/>
+          </p:cNvSpPr>
+          <p:nvPr>
+            <p:ph type="sldImg"/>
+          </p:nvPr>
+        </p:nvSpPr>
+        <p:spPr>
+          <a:xfrm>
+            <a:off x="685800" y="1143000"/>
+            <a:ext cx="5486400" cy="3086100"/>
+          </a:xfrm>
+        </p:spPr>
+      </p:sp>
+      <p:sp>
+        <p:nvSpPr>
+          <p:cNvPr id="3" name="Notes Placeholder 2"/>
+          <p:cNvSpPr>
+            <a:spLocks noGrp="1"/>
+          </p:cNvSpPr>
+          <p:nvPr>
+            <p:ph type="body" idx="1"/>
+          </p:nvPr>
+        </p:nvSpPr>
+        <p:spPr/>
+        <p:txBody>
+          <a:bodyPr/>
+          <a:lstStyle/>
+          <a:p>
+            <a:endParaRPr lang="en-US" dirty="0"/>
+          </a:p>
+        </p:txBody>
+      </p:sp>
+      <p:sp>
+        <p:nvSpPr>
+          <p:cNvPr id="4" name="Slide Number Placeholder 3"/>
+          <p:cNvSpPr>
+            <a:spLocks noGrp="1"/>
+          </p:cNvSpPr>
+          <p:nvPr>
+            <p:ph type="sldNum" sz="quarter" idx="5"/>
+          </p:nvPr>
+        </p:nvSpPr>
+        <p:spPr/>
+        <p:txBody>
+          <a:bodyPr/>
+          <a:lstStyle/>
+          <a:p>
+            <a:fld id="{3F8BDF20-BE86-4883-8A23-4CE3D0058BEA}" type="slidenum">
+              <a:rPr lang="en-US" smtClean="0"/>
+              <a:t>16</a:t>
+            </a:fld>
+            <a:endParaRPr lang="en-US"/>
+          </a:p>
+        </p:txBody>
+      </p:sp>
+    </p:spTree>
+    <p:extLst>
+      <p:ext uri="{BB962C8B-B14F-4D97-AF65-F5344CB8AC3E}">
+        <p14:creationId xmlns:p14="http://schemas.microsoft.com/office/powerpoint/2010/main" val="1759787995"/>
+      </p:ext>
+    </p:extLst>
+  </p:cSld>
+  <p:clrMapOvr>
+    <a:masterClrMapping/>
+  </p:clrMapOvr>
+</p:notes>
+</file>
+
+<file path=ppt/notesSlides/notesSlide16.xml><?xml version="1.0" encoding="utf-8"?>
+<p:notes xmlns:a="http://schemas.openxmlformats.org/drawingml/2006/main" xmlns:r="http://schemas.openxmlformats.org/officeDocument/2006/relationships" xmlns:p="http://schemas.openxmlformats.org/presentationml/2006/main">
+  <p:cSld>
+    <p:spTree>
+      <p:nvGrpSpPr>
+        <p:cNvPr id="1" name=""/>
+        <p:cNvGrpSpPr/>
+        <p:nvPr/>
+      </p:nvGrpSpPr>
+      <p:grpSpPr>
+        <a:xfrm>
+          <a:off x="0" y="0"/>
+          <a:ext cx="0" cy="0"/>
+          <a:chOff x="0" y="0"/>
+          <a:chExt cx="0" cy="0"/>
+        </a:xfrm>
+      </p:grpSpPr>
+      <p:sp>
+        <p:nvSpPr>
+          <p:cNvPr id="2" name="Slide Image Placeholder 1"/>
+          <p:cNvSpPr>
+            <a:spLocks noGrp="1" noRot="1" noChangeAspect="1"/>
+          </p:cNvSpPr>
+          <p:nvPr>
+            <p:ph type="sldImg"/>
+          </p:nvPr>
+        </p:nvSpPr>
+        <p:spPr>
+          <a:xfrm>
+            <a:off x="685800" y="1143000"/>
+            <a:ext cx="5486400" cy="3086100"/>
+          </a:xfrm>
+        </p:spPr>
+      </p:sp>
+      <p:sp>
+        <p:nvSpPr>
+          <p:cNvPr id="3" name="Notes Placeholder 2"/>
+          <p:cNvSpPr>
+            <a:spLocks noGrp="1"/>
+          </p:cNvSpPr>
+          <p:nvPr>
+            <p:ph type="body" idx="1"/>
+          </p:nvPr>
+        </p:nvSpPr>
+        <p:spPr/>
+        <p:txBody>
+          <a:bodyPr/>
+          <a:lstStyle/>
+          <a:p>
+            <a:endParaRPr lang="en-US" dirty="0"/>
+          </a:p>
+        </p:txBody>
+      </p:sp>
+      <p:sp>
+        <p:nvSpPr>
+          <p:cNvPr id="4" name="Slide Number Placeholder 3"/>
+          <p:cNvSpPr>
+            <a:spLocks noGrp="1"/>
+          </p:cNvSpPr>
+          <p:nvPr>
+            <p:ph type="sldNum" sz="quarter" idx="5"/>
+          </p:nvPr>
+        </p:nvSpPr>
+        <p:spPr/>
+        <p:txBody>
+          <a:bodyPr/>
+          <a:lstStyle/>
+          <a:p>
+            <a:fld id="{3F8BDF20-BE86-4883-8A23-4CE3D0058BEA}" type="slidenum">
+              <a:rPr lang="en-US" smtClean="0"/>
+              <a:t>17</a:t>
+            </a:fld>
+            <a:endParaRPr lang="en-US"/>
+          </a:p>
+        </p:txBody>
+      </p:sp>
+    </p:spTree>
+    <p:extLst>
+      <p:ext uri="{BB962C8B-B14F-4D97-AF65-F5344CB8AC3E}">
+        <p14:creationId xmlns:p14="http://schemas.microsoft.com/office/powerpoint/2010/main" val="682891103"/>
       </p:ext>
     </p:extLst>
   </p:cSld>
@@ -4509,6 +5139,1032 @@
 </file>
 
 <file path=ppt/slides/slide11.xml><?xml version="1.0" encoding="utf-8"?>
+<p:sld xmlns:a="http://schemas.openxmlformats.org/drawingml/2006/main" xmlns:r="http://schemas.openxmlformats.org/officeDocument/2006/relationships" xmlns:p="http://schemas.openxmlformats.org/presentationml/2006/main">
+  <p:cSld>
+    <p:spTree>
+      <p:nvGrpSpPr>
+        <p:cNvPr id="1" name=""/>
+        <p:cNvGrpSpPr/>
+        <p:nvPr/>
+      </p:nvGrpSpPr>
+      <p:grpSpPr>
+        <a:xfrm>
+          <a:off x="0" y="0"/>
+          <a:ext cx="0" cy="0"/>
+          <a:chOff x="0" y="0"/>
+          <a:chExt cx="0" cy="0"/>
+        </a:xfrm>
+      </p:grpSpPr>
+      <p:sp>
+        <p:nvSpPr>
+          <p:cNvPr id="2" name="Title 1"/>
+          <p:cNvSpPr>
+            <a:spLocks noGrp="1"/>
+          </p:cNvSpPr>
+          <p:nvPr>
+            <p:ph type="title"/>
+          </p:nvPr>
+        </p:nvSpPr>
+        <p:spPr>
+          <a:xfrm>
+            <a:off x="838200" y="365126"/>
+            <a:ext cx="10515600" cy="981894"/>
+          </a:xfrm>
+        </p:spPr>
+        <p:txBody>
+          <a:bodyPr>
+            <a:normAutofit/>
+          </a:bodyPr>
+          <a:lstStyle/>
+          <a:p>
+            <a:r>
+              <a:rPr lang="en-US" sz="4400" dirty="0"/>
+              <a:t>Natural Cubic Splines </a:t>
+            </a:r>
+            <a:endParaRPr lang="en-US" dirty="0"/>
+          </a:p>
+        </p:txBody>
+      </p:sp>
+      <mc:AlternateContent xmlns:mc="http://schemas.openxmlformats.org/markup-compatibility/2006">
+        <mc:Choice xmlns:a14="http://schemas.microsoft.com/office/drawing/2010/main" Requires="a14">
+          <p:sp>
+            <p:nvSpPr>
+              <p:cNvPr id="3" name="TextBox 2">
+                <a:extLst>
+                  <a:ext uri="{FF2B5EF4-FFF2-40B4-BE49-F238E27FC236}">
+                    <a16:creationId xmlns:a16="http://schemas.microsoft.com/office/drawing/2014/main" id="{5C97A158-F913-D876-7FE0-24A6C091BA83}"/>
+                  </a:ext>
+                </a:extLst>
+              </p:cNvPr>
+              <p:cNvSpPr txBox="1"/>
+              <p:nvPr/>
+            </p:nvSpPr>
+            <p:spPr>
+              <a:xfrm>
+                <a:off x="838200" y="1547630"/>
+                <a:ext cx="10073640" cy="954107"/>
+              </a:xfrm>
+              <a:prstGeom prst="rect">
+                <a:avLst/>
+              </a:prstGeom>
+              <a:noFill/>
+            </p:spPr>
+            <p:txBody>
+              <a:bodyPr wrap="square">
+                <a:spAutoFit/>
+              </a:bodyPr>
+              <a:lstStyle/>
+              <a:p>
+                <a:r>
+                  <a:rPr lang="en-US" altLang="zh-CN" sz="2800" dirty="0"/>
+                  <a:t>A natural cubic spline extrapolates linearly beyond the boundary knots, which adds </a:t>
+                </a:r>
+                <a14:m>
+                  <m:oMath xmlns:m="http://schemas.openxmlformats.org/officeDocument/2006/math">
+                    <m:r>
+                      <a:rPr lang="en-US" altLang="zh-CN" sz="2800" b="0" i="1" smtClean="0">
+                        <a:latin typeface="Cambria Math" panose="02040503050406030204" pitchFamily="18" charset="0"/>
+                      </a:rPr>
+                      <m:t>4=2×2</m:t>
+                    </m:r>
+                  </m:oMath>
+                </a14:m>
+                <a:r>
+                  <a:rPr lang="en-US" altLang="zh-CN" sz="2800" dirty="0"/>
+                  <a:t> constraints </a:t>
+                </a:r>
+              </a:p>
+            </p:txBody>
+          </p:sp>
+        </mc:Choice>
+        <mc:Fallback>
+          <p:sp>
+            <p:nvSpPr>
+              <p:cNvPr id="3" name="TextBox 2">
+                <a:extLst>
+                  <a:ext uri="{FF2B5EF4-FFF2-40B4-BE49-F238E27FC236}">
+                    <a16:creationId xmlns:a16="http://schemas.microsoft.com/office/drawing/2014/main" id="{5C97A158-F913-D876-7FE0-24A6C091BA83}"/>
+                  </a:ext>
+                </a:extLst>
+              </p:cNvPr>
+              <p:cNvSpPr txBox="1">
+                <a:spLocks noRot="1" noChangeAspect="1" noMove="1" noResize="1" noEditPoints="1" noAdjustHandles="1" noChangeArrowheads="1" noChangeShapeType="1" noTextEdit="1"/>
+              </p:cNvSpPr>
+              <p:nvPr/>
+            </p:nvSpPr>
+            <p:spPr>
+              <a:xfrm>
+                <a:off x="838200" y="1547630"/>
+                <a:ext cx="10073640" cy="954107"/>
+              </a:xfrm>
+              <a:prstGeom prst="rect">
+                <a:avLst/>
+              </a:prstGeom>
+              <a:blipFill>
+                <a:blip r:embed="rId3"/>
+                <a:stretch>
+                  <a:fillRect l="-1259" t="-6579" b="-17105"/>
+                </a:stretch>
+              </a:blipFill>
+            </p:spPr>
+            <p:txBody>
+              <a:bodyPr/>
+              <a:lstStyle/>
+              <a:p>
+                <a:r>
+                  <a:rPr lang="en-US">
+                    <a:noFill/>
+                  </a:rPr>
+                  <a:t> </a:t>
+                </a:r>
+              </a:p>
+            </p:txBody>
+          </p:sp>
+        </mc:Fallback>
+      </mc:AlternateContent>
+      <p:pic>
+        <p:nvPicPr>
+          <p:cNvPr id="6" name="Picture 5">
+            <a:extLst>
+              <a:ext uri="{FF2B5EF4-FFF2-40B4-BE49-F238E27FC236}">
+                <a16:creationId xmlns:a16="http://schemas.microsoft.com/office/drawing/2014/main" id="{2A90F8CF-2171-05E8-4872-A21BC0ADBF16}"/>
+              </a:ext>
+            </a:extLst>
+          </p:cNvPr>
+          <p:cNvPicPr>
+            <a:picLocks noChangeAspect="1"/>
+          </p:cNvPicPr>
+          <p:nvPr/>
+        </p:nvPicPr>
+        <p:blipFill>
+          <a:blip r:embed="rId4"/>
+          <a:stretch>
+            <a:fillRect/>
+          </a:stretch>
+        </p:blipFill>
+        <p:spPr>
+          <a:xfrm>
+            <a:off x="2478087" y="2830513"/>
+            <a:ext cx="5551488" cy="3746570"/>
+          </a:xfrm>
+          <a:prstGeom prst="rect">
+            <a:avLst/>
+          </a:prstGeom>
+        </p:spPr>
+      </p:pic>
+    </p:spTree>
+    <p:extLst>
+      <p:ext uri="{BB962C8B-B14F-4D97-AF65-F5344CB8AC3E}">
+        <p14:creationId xmlns:p14="http://schemas.microsoft.com/office/powerpoint/2010/main" val="3732722837"/>
+      </p:ext>
+    </p:extLst>
+  </p:cSld>
+  <p:clrMapOvr>
+    <a:masterClrMapping/>
+  </p:clrMapOvr>
+</p:sld>
+</file>
+
+<file path=ppt/slides/slide12.xml><?xml version="1.0" encoding="utf-8"?>
+<p:sld xmlns:a="http://schemas.openxmlformats.org/drawingml/2006/main" xmlns:r="http://schemas.openxmlformats.org/officeDocument/2006/relationships" xmlns:p="http://schemas.openxmlformats.org/presentationml/2006/main">
+  <p:cSld>
+    <p:spTree>
+      <p:nvGrpSpPr>
+        <p:cNvPr id="1" name=""/>
+        <p:cNvGrpSpPr/>
+        <p:nvPr/>
+      </p:nvGrpSpPr>
+      <p:grpSpPr>
+        <a:xfrm>
+          <a:off x="0" y="0"/>
+          <a:ext cx="0" cy="0"/>
+          <a:chOff x="0" y="0"/>
+          <a:chExt cx="0" cy="0"/>
+        </a:xfrm>
+      </p:grpSpPr>
+      <p:sp>
+        <p:nvSpPr>
+          <p:cNvPr id="2" name="Title 1"/>
+          <p:cNvSpPr>
+            <a:spLocks noGrp="1"/>
+          </p:cNvSpPr>
+          <p:nvPr>
+            <p:ph type="title"/>
+          </p:nvPr>
+        </p:nvSpPr>
+        <p:spPr>
+          <a:xfrm>
+            <a:off x="838200" y="365126"/>
+            <a:ext cx="10515600" cy="981894"/>
+          </a:xfrm>
+        </p:spPr>
+        <p:txBody>
+          <a:bodyPr>
+            <a:normAutofit/>
+          </a:bodyPr>
+          <a:lstStyle/>
+          <a:p>
+            <a:r>
+              <a:rPr lang="en-US" sz="4400" dirty="0"/>
+              <a:t>Smoothing Splines </a:t>
+            </a:r>
+            <a:endParaRPr lang="en-US" dirty="0"/>
+          </a:p>
+        </p:txBody>
+      </p:sp>
+      <p:sp>
+        <p:nvSpPr>
+          <p:cNvPr id="3" name="TextBox 2">
+            <a:extLst>
+              <a:ext uri="{FF2B5EF4-FFF2-40B4-BE49-F238E27FC236}">
+                <a16:creationId xmlns:a16="http://schemas.microsoft.com/office/drawing/2014/main" id="{5C97A158-F913-D876-7FE0-24A6C091BA83}"/>
+              </a:ext>
+            </a:extLst>
+          </p:cNvPr>
+          <p:cNvSpPr txBox="1"/>
+          <p:nvPr/>
+        </p:nvSpPr>
+        <p:spPr>
+          <a:xfrm>
+            <a:off x="838200" y="1547630"/>
+            <a:ext cx="10073640" cy="523220"/>
+          </a:xfrm>
+          <a:prstGeom prst="rect">
+            <a:avLst/>
+          </a:prstGeom>
+          <a:noFill/>
+        </p:spPr>
+        <p:txBody>
+          <a:bodyPr wrap="square">
+            <a:spAutoFit/>
+          </a:bodyPr>
+          <a:lstStyle/>
+          <a:p>
+            <a:r>
+              <a:rPr lang="en-US" altLang="zh-CN" sz="2800" dirty="0"/>
+              <a:t>Objective for smoothing splines</a:t>
+            </a:r>
+          </a:p>
+        </p:txBody>
+      </p:sp>
+      <p:pic>
+        <p:nvPicPr>
+          <p:cNvPr id="4" name="Picture 3">
+            <a:extLst>
+              <a:ext uri="{FF2B5EF4-FFF2-40B4-BE49-F238E27FC236}">
+                <a16:creationId xmlns:a16="http://schemas.microsoft.com/office/drawing/2014/main" id="{BC77EB4C-D8AE-667B-9075-9D13980C791C}"/>
+              </a:ext>
+            </a:extLst>
+          </p:cNvPr>
+          <p:cNvPicPr>
+            <a:picLocks noChangeAspect="1"/>
+          </p:cNvPicPr>
+          <p:nvPr/>
+        </p:nvPicPr>
+        <p:blipFill>
+          <a:blip r:embed="rId3"/>
+          <a:stretch>
+            <a:fillRect/>
+          </a:stretch>
+        </p:blipFill>
+        <p:spPr>
+          <a:xfrm>
+            <a:off x="2163761" y="2421075"/>
+            <a:ext cx="6854613" cy="1249363"/>
+          </a:xfrm>
+          <a:prstGeom prst="rect">
+            <a:avLst/>
+          </a:prstGeom>
+        </p:spPr>
+      </p:pic>
+      <p:sp>
+        <p:nvSpPr>
+          <p:cNvPr id="5" name="TextBox 4">
+            <a:extLst>
+              <a:ext uri="{FF2B5EF4-FFF2-40B4-BE49-F238E27FC236}">
+                <a16:creationId xmlns:a16="http://schemas.microsoft.com/office/drawing/2014/main" id="{432E11A6-F401-198D-5D3B-C6693B02C9A8}"/>
+              </a:ext>
+            </a:extLst>
+          </p:cNvPr>
+          <p:cNvSpPr txBox="1"/>
+          <p:nvPr/>
+        </p:nvSpPr>
+        <p:spPr>
+          <a:xfrm>
+            <a:off x="838200" y="4020663"/>
+            <a:ext cx="10073640" cy="1384995"/>
+          </a:xfrm>
+          <a:prstGeom prst="rect">
+            <a:avLst/>
+          </a:prstGeom>
+          <a:noFill/>
+        </p:spPr>
+        <p:txBody>
+          <a:bodyPr wrap="square">
+            <a:spAutoFit/>
+          </a:bodyPr>
+          <a:lstStyle/>
+          <a:p>
+            <a:r>
+              <a:rPr lang="en-US" altLang="zh-CN" sz="2800" dirty="0"/>
+              <a:t>The second term is a roughness penalty and controls how wiggly g(x) is. It is modulated by the tuning parameter. </a:t>
+            </a:r>
+          </a:p>
+          <a:p>
+            <a:endParaRPr lang="en-US" altLang="zh-CN" sz="2800" dirty="0"/>
+          </a:p>
+        </p:txBody>
+      </p:sp>
+    </p:spTree>
+    <p:extLst>
+      <p:ext uri="{BB962C8B-B14F-4D97-AF65-F5344CB8AC3E}">
+        <p14:creationId xmlns:p14="http://schemas.microsoft.com/office/powerpoint/2010/main" val="1828494070"/>
+      </p:ext>
+    </p:extLst>
+  </p:cSld>
+  <p:clrMapOvr>
+    <a:masterClrMapping/>
+  </p:clrMapOvr>
+</p:sld>
+</file>
+
+<file path=ppt/slides/slide13.xml><?xml version="1.0" encoding="utf-8"?>
+<p:sld xmlns:a="http://schemas.openxmlformats.org/drawingml/2006/main" xmlns:r="http://schemas.openxmlformats.org/officeDocument/2006/relationships" xmlns:p="http://schemas.openxmlformats.org/presentationml/2006/main">
+  <p:cSld>
+    <p:spTree>
+      <p:nvGrpSpPr>
+        <p:cNvPr id="1" name=""/>
+        <p:cNvGrpSpPr/>
+        <p:nvPr/>
+      </p:nvGrpSpPr>
+      <p:grpSpPr>
+        <a:xfrm>
+          <a:off x="0" y="0"/>
+          <a:ext cx="0" cy="0"/>
+          <a:chOff x="0" y="0"/>
+          <a:chExt cx="0" cy="0"/>
+        </a:xfrm>
+      </p:grpSpPr>
+      <p:sp>
+        <p:nvSpPr>
+          <p:cNvPr id="2" name="Title 1"/>
+          <p:cNvSpPr>
+            <a:spLocks noGrp="1"/>
+          </p:cNvSpPr>
+          <p:nvPr>
+            <p:ph type="title"/>
+          </p:nvPr>
+        </p:nvSpPr>
+        <p:spPr>
+          <a:xfrm>
+            <a:off x="838200" y="365126"/>
+            <a:ext cx="10515600" cy="981894"/>
+          </a:xfrm>
+        </p:spPr>
+        <p:txBody>
+          <a:bodyPr>
+            <a:normAutofit/>
+          </a:bodyPr>
+          <a:lstStyle/>
+          <a:p>
+            <a:r>
+              <a:rPr lang="en-US" sz="4400" dirty="0"/>
+              <a:t>Smoothing Splines </a:t>
+            </a:r>
+            <a:endParaRPr lang="en-US" dirty="0"/>
+          </a:p>
+        </p:txBody>
+      </p:sp>
+      <p:pic>
+        <p:nvPicPr>
+          <p:cNvPr id="6" name="Picture 5">
+            <a:extLst>
+              <a:ext uri="{FF2B5EF4-FFF2-40B4-BE49-F238E27FC236}">
+                <a16:creationId xmlns:a16="http://schemas.microsoft.com/office/drawing/2014/main" id="{C286E16C-5D94-F2A2-AB2B-E4FDAF7E4A39}"/>
+              </a:ext>
+            </a:extLst>
+          </p:cNvPr>
+          <p:cNvPicPr>
+            <a:picLocks noChangeAspect="1"/>
+          </p:cNvPicPr>
+          <p:nvPr/>
+        </p:nvPicPr>
+        <p:blipFill>
+          <a:blip r:embed="rId3"/>
+          <a:stretch>
+            <a:fillRect/>
+          </a:stretch>
+        </p:blipFill>
+        <p:spPr>
+          <a:xfrm>
+            <a:off x="1781173" y="1638449"/>
+            <a:ext cx="6648452" cy="4854425"/>
+          </a:xfrm>
+          <a:prstGeom prst="rect">
+            <a:avLst/>
+          </a:prstGeom>
+        </p:spPr>
+      </p:pic>
+    </p:spTree>
+    <p:extLst>
+      <p:ext uri="{BB962C8B-B14F-4D97-AF65-F5344CB8AC3E}">
+        <p14:creationId xmlns:p14="http://schemas.microsoft.com/office/powerpoint/2010/main" val="303847479"/>
+      </p:ext>
+    </p:extLst>
+  </p:cSld>
+  <p:clrMapOvr>
+    <a:masterClrMapping/>
+  </p:clrMapOvr>
+</p:sld>
+</file>
+
+<file path=ppt/slides/slide14.xml><?xml version="1.0" encoding="utf-8"?>
+<p:sld xmlns:a="http://schemas.openxmlformats.org/drawingml/2006/main" xmlns:r="http://schemas.openxmlformats.org/officeDocument/2006/relationships" xmlns:p="http://schemas.openxmlformats.org/presentationml/2006/main">
+  <p:cSld>
+    <p:spTree>
+      <p:nvGrpSpPr>
+        <p:cNvPr id="1" name=""/>
+        <p:cNvGrpSpPr/>
+        <p:nvPr/>
+      </p:nvGrpSpPr>
+      <p:grpSpPr>
+        <a:xfrm>
+          <a:off x="0" y="0"/>
+          <a:ext cx="0" cy="0"/>
+          <a:chOff x="0" y="0"/>
+          <a:chExt cx="0" cy="0"/>
+        </a:xfrm>
+      </p:grpSpPr>
+      <p:sp>
+        <p:nvSpPr>
+          <p:cNvPr id="2" name="Title 1"/>
+          <p:cNvSpPr>
+            <a:spLocks noGrp="1"/>
+          </p:cNvSpPr>
+          <p:nvPr>
+            <p:ph type="title"/>
+          </p:nvPr>
+        </p:nvSpPr>
+        <p:spPr>
+          <a:xfrm>
+            <a:off x="838200" y="365126"/>
+            <a:ext cx="10515600" cy="981894"/>
+          </a:xfrm>
+        </p:spPr>
+        <p:txBody>
+          <a:bodyPr>
+            <a:normAutofit/>
+          </a:bodyPr>
+          <a:lstStyle/>
+          <a:p>
+            <a:r>
+              <a:rPr lang="en-US" sz="4400" dirty="0"/>
+              <a:t>Generalized Additive Models (GAM)  </a:t>
+            </a:r>
+            <a:endParaRPr lang="en-US" dirty="0"/>
+          </a:p>
+        </p:txBody>
+      </p:sp>
+      <p:pic>
+        <p:nvPicPr>
+          <p:cNvPr id="3" name="Picture 2">
+            <a:extLst>
+              <a:ext uri="{FF2B5EF4-FFF2-40B4-BE49-F238E27FC236}">
+                <a16:creationId xmlns:a16="http://schemas.microsoft.com/office/drawing/2014/main" id="{74D3C889-7D91-2D04-3FEE-AC213A3C24E4}"/>
+              </a:ext>
+            </a:extLst>
+          </p:cNvPr>
+          <p:cNvPicPr>
+            <a:picLocks noChangeAspect="1"/>
+          </p:cNvPicPr>
+          <p:nvPr/>
+        </p:nvPicPr>
+        <p:blipFill>
+          <a:blip r:embed="rId3"/>
+          <a:stretch>
+            <a:fillRect/>
+          </a:stretch>
+        </p:blipFill>
+        <p:spPr>
+          <a:xfrm>
+            <a:off x="2189159" y="3190714"/>
+            <a:ext cx="6854829" cy="616934"/>
+          </a:xfrm>
+          <a:prstGeom prst="rect">
+            <a:avLst/>
+          </a:prstGeom>
+        </p:spPr>
+      </p:pic>
+      <p:sp>
+        <p:nvSpPr>
+          <p:cNvPr id="4" name="TextBox 3">
+            <a:extLst>
+              <a:ext uri="{FF2B5EF4-FFF2-40B4-BE49-F238E27FC236}">
+                <a16:creationId xmlns:a16="http://schemas.microsoft.com/office/drawing/2014/main" id="{45E1B50C-5DB8-16D9-39FF-F23531683E07}"/>
+              </a:ext>
+            </a:extLst>
+          </p:cNvPr>
+          <p:cNvSpPr txBox="1"/>
+          <p:nvPr/>
+        </p:nvSpPr>
+        <p:spPr>
+          <a:xfrm>
+            <a:off x="872647" y="1791813"/>
+            <a:ext cx="10073640" cy="954107"/>
+          </a:xfrm>
+          <a:prstGeom prst="rect">
+            <a:avLst/>
+          </a:prstGeom>
+          <a:noFill/>
+        </p:spPr>
+        <p:txBody>
+          <a:bodyPr wrap="square">
+            <a:spAutoFit/>
+          </a:bodyPr>
+          <a:lstStyle/>
+          <a:p>
+            <a:r>
+              <a:rPr lang="en-US" altLang="zh-CN" sz="2800" dirty="0"/>
+              <a:t>Allows for flexible nonlinearities in several variables, but retains the additive structure of linear models. </a:t>
+            </a:r>
+          </a:p>
+        </p:txBody>
+      </p:sp>
+    </p:spTree>
+    <p:extLst>
+      <p:ext uri="{BB962C8B-B14F-4D97-AF65-F5344CB8AC3E}">
+        <p14:creationId xmlns:p14="http://schemas.microsoft.com/office/powerpoint/2010/main" val="2611264731"/>
+      </p:ext>
+    </p:extLst>
+  </p:cSld>
+  <p:clrMapOvr>
+    <a:masterClrMapping/>
+  </p:clrMapOvr>
+</p:sld>
+</file>
+
+<file path=ppt/slides/slide15.xml><?xml version="1.0" encoding="utf-8"?>
+<p:sld xmlns:a="http://schemas.openxmlformats.org/drawingml/2006/main" xmlns:r="http://schemas.openxmlformats.org/officeDocument/2006/relationships" xmlns:p="http://schemas.openxmlformats.org/presentationml/2006/main">
+  <p:cSld>
+    <p:spTree>
+      <p:nvGrpSpPr>
+        <p:cNvPr id="1" name=""/>
+        <p:cNvGrpSpPr/>
+        <p:nvPr/>
+      </p:nvGrpSpPr>
+      <p:grpSpPr>
+        <a:xfrm>
+          <a:off x="0" y="0"/>
+          <a:ext cx="0" cy="0"/>
+          <a:chOff x="0" y="0"/>
+          <a:chExt cx="0" cy="0"/>
+        </a:xfrm>
+      </p:grpSpPr>
+      <p:sp>
+        <p:nvSpPr>
+          <p:cNvPr id="2" name="Title 1"/>
+          <p:cNvSpPr>
+            <a:spLocks noGrp="1"/>
+          </p:cNvSpPr>
+          <p:nvPr>
+            <p:ph type="title"/>
+          </p:nvPr>
+        </p:nvSpPr>
+        <p:spPr>
+          <a:xfrm>
+            <a:off x="838200" y="365126"/>
+            <a:ext cx="10515600" cy="981894"/>
+          </a:xfrm>
+        </p:spPr>
+        <p:txBody>
+          <a:bodyPr>
+            <a:normAutofit/>
+          </a:bodyPr>
+          <a:lstStyle/>
+          <a:p>
+            <a:r>
+              <a:rPr lang="en-US" sz="4400" dirty="0"/>
+              <a:t>GAMs for classification  </a:t>
+            </a:r>
+            <a:endParaRPr lang="en-US" dirty="0"/>
+          </a:p>
+        </p:txBody>
+      </p:sp>
+      <p:pic>
+        <p:nvPicPr>
+          <p:cNvPr id="5" name="Picture 4">
+            <a:extLst>
+              <a:ext uri="{FF2B5EF4-FFF2-40B4-BE49-F238E27FC236}">
+                <a16:creationId xmlns:a16="http://schemas.microsoft.com/office/drawing/2014/main" id="{BDD4FD1D-1435-4F9E-48C8-B57936B0E5F9}"/>
+              </a:ext>
+            </a:extLst>
+          </p:cNvPr>
+          <p:cNvPicPr>
+            <a:picLocks noChangeAspect="1"/>
+          </p:cNvPicPr>
+          <p:nvPr/>
+        </p:nvPicPr>
+        <p:blipFill>
+          <a:blip r:embed="rId3"/>
+          <a:stretch>
+            <a:fillRect/>
+          </a:stretch>
+        </p:blipFill>
+        <p:spPr>
+          <a:xfrm>
+            <a:off x="1979611" y="1836777"/>
+            <a:ext cx="6944481" cy="835643"/>
+          </a:xfrm>
+          <a:prstGeom prst="rect">
+            <a:avLst/>
+          </a:prstGeom>
+        </p:spPr>
+      </p:pic>
+      <p:pic>
+        <p:nvPicPr>
+          <p:cNvPr id="6" name="Picture 5">
+            <a:extLst>
+              <a:ext uri="{FF2B5EF4-FFF2-40B4-BE49-F238E27FC236}">
+                <a16:creationId xmlns:a16="http://schemas.microsoft.com/office/drawing/2014/main" id="{DE4B2EA8-A1CD-9B7F-275A-AE3898C8F30D}"/>
+              </a:ext>
+            </a:extLst>
+          </p:cNvPr>
+          <p:cNvPicPr>
+            <a:picLocks noChangeAspect="1"/>
+          </p:cNvPicPr>
+          <p:nvPr/>
+        </p:nvPicPr>
+        <p:blipFill>
+          <a:blip r:embed="rId4"/>
+          <a:stretch>
+            <a:fillRect/>
+          </a:stretch>
+        </p:blipFill>
+        <p:spPr>
+          <a:xfrm>
+            <a:off x="1459667" y="2998262"/>
+            <a:ext cx="8284407" cy="3499190"/>
+          </a:xfrm>
+          <a:prstGeom prst="rect">
+            <a:avLst/>
+          </a:prstGeom>
+        </p:spPr>
+      </p:pic>
+    </p:spTree>
+    <p:extLst>
+      <p:ext uri="{BB962C8B-B14F-4D97-AF65-F5344CB8AC3E}">
+        <p14:creationId xmlns:p14="http://schemas.microsoft.com/office/powerpoint/2010/main" val="191937944"/>
+      </p:ext>
+    </p:extLst>
+  </p:cSld>
+  <p:clrMapOvr>
+    <a:masterClrMapping/>
+  </p:clrMapOvr>
+</p:sld>
+</file>
+
+<file path=ppt/slides/slide16.xml><?xml version="1.0" encoding="utf-8"?>
+<p:sld xmlns:a="http://schemas.openxmlformats.org/drawingml/2006/main" xmlns:r="http://schemas.openxmlformats.org/officeDocument/2006/relationships" xmlns:p="http://schemas.openxmlformats.org/presentationml/2006/main">
+  <p:cSld>
+    <p:spTree>
+      <p:nvGrpSpPr>
+        <p:cNvPr id="1" name=""/>
+        <p:cNvGrpSpPr/>
+        <p:nvPr/>
+      </p:nvGrpSpPr>
+      <p:grpSpPr>
+        <a:xfrm>
+          <a:off x="0" y="0"/>
+          <a:ext cx="0" cy="0"/>
+          <a:chOff x="0" y="0"/>
+          <a:chExt cx="0" cy="0"/>
+        </a:xfrm>
+      </p:grpSpPr>
+      <p:sp>
+        <p:nvSpPr>
+          <p:cNvPr id="2" name="Title 1"/>
+          <p:cNvSpPr>
+            <a:spLocks noGrp="1"/>
+          </p:cNvSpPr>
+          <p:nvPr>
+            <p:ph type="title"/>
+          </p:nvPr>
+        </p:nvSpPr>
+        <p:spPr>
+          <a:xfrm>
+            <a:off x="838200" y="365126"/>
+            <a:ext cx="10515600" cy="981894"/>
+          </a:xfrm>
+        </p:spPr>
+        <p:txBody>
+          <a:bodyPr>
+            <a:normAutofit/>
+          </a:bodyPr>
+          <a:lstStyle/>
+          <a:p>
+            <a:r>
+              <a:rPr lang="en-US" sz="4400" dirty="0"/>
+              <a:t>Tree-based Methods  </a:t>
+            </a:r>
+            <a:endParaRPr lang="en-US" dirty="0"/>
+          </a:p>
+        </p:txBody>
+      </p:sp>
+      <p:sp>
+        <p:nvSpPr>
+          <p:cNvPr id="3" name="TextBox 2">
+            <a:extLst>
+              <a:ext uri="{FF2B5EF4-FFF2-40B4-BE49-F238E27FC236}">
+                <a16:creationId xmlns:a16="http://schemas.microsoft.com/office/drawing/2014/main" id="{07051739-C552-1276-4B21-DFE06FD5F89E}"/>
+              </a:ext>
+            </a:extLst>
+          </p:cNvPr>
+          <p:cNvSpPr txBox="1"/>
+          <p:nvPr/>
+        </p:nvSpPr>
+        <p:spPr>
+          <a:xfrm>
+            <a:off x="838200" y="1677513"/>
+            <a:ext cx="10073640" cy="523220"/>
+          </a:xfrm>
+          <a:prstGeom prst="rect">
+            <a:avLst/>
+          </a:prstGeom>
+          <a:noFill/>
+        </p:spPr>
+        <p:txBody>
+          <a:bodyPr wrap="square">
+            <a:spAutoFit/>
+          </a:bodyPr>
+          <a:lstStyle/>
+          <a:p>
+            <a:r>
+              <a:rPr lang="en-US" altLang="zh-CN" sz="2800" dirty="0"/>
+              <a:t>Tree-based methods can be used for regression and classification </a:t>
+            </a:r>
+          </a:p>
+        </p:txBody>
+      </p:sp>
+      <p:sp>
+        <p:nvSpPr>
+          <p:cNvPr id="4" name="TextBox 3">
+            <a:extLst>
+              <a:ext uri="{FF2B5EF4-FFF2-40B4-BE49-F238E27FC236}">
+                <a16:creationId xmlns:a16="http://schemas.microsoft.com/office/drawing/2014/main" id="{8269BB5F-FE8E-52B5-B5E8-53EACE081417}"/>
+              </a:ext>
+            </a:extLst>
+          </p:cNvPr>
+          <p:cNvSpPr txBox="1"/>
+          <p:nvPr/>
+        </p:nvSpPr>
+        <p:spPr>
+          <a:xfrm>
+            <a:off x="838200" y="2736502"/>
+            <a:ext cx="10073640" cy="1384995"/>
+          </a:xfrm>
+          <a:prstGeom prst="rect">
+            <a:avLst/>
+          </a:prstGeom>
+          <a:noFill/>
+        </p:spPr>
+        <p:txBody>
+          <a:bodyPr wrap="square">
+            <a:spAutoFit/>
+          </a:bodyPr>
+          <a:lstStyle/>
+          <a:p>
+            <a:r>
+              <a:rPr lang="en-US" altLang="zh-CN" sz="2800" dirty="0"/>
+              <a:t>Stratifying or segmenting the predictor space into a number of simple regions. </a:t>
+            </a:r>
+          </a:p>
+          <a:p>
+            <a:r>
+              <a:rPr lang="en-US" altLang="zh-CN" sz="2800" dirty="0"/>
+              <a:t> </a:t>
+            </a:r>
+          </a:p>
+        </p:txBody>
+      </p:sp>
+      <p:sp>
+        <p:nvSpPr>
+          <p:cNvPr id="7" name="TextBox 6">
+            <a:extLst>
+              <a:ext uri="{FF2B5EF4-FFF2-40B4-BE49-F238E27FC236}">
+                <a16:creationId xmlns:a16="http://schemas.microsoft.com/office/drawing/2014/main" id="{AB76F1A5-409E-985B-9ADE-0F5DACFE7F32}"/>
+              </a:ext>
+            </a:extLst>
+          </p:cNvPr>
+          <p:cNvSpPr txBox="1"/>
+          <p:nvPr/>
+        </p:nvSpPr>
+        <p:spPr>
+          <a:xfrm>
+            <a:off x="838200" y="4387976"/>
+            <a:ext cx="10073640" cy="1384995"/>
+          </a:xfrm>
+          <a:prstGeom prst="rect">
+            <a:avLst/>
+          </a:prstGeom>
+          <a:noFill/>
+        </p:spPr>
+        <p:txBody>
+          <a:bodyPr wrap="square">
+            <a:spAutoFit/>
+          </a:bodyPr>
+          <a:lstStyle/>
+          <a:p>
+            <a:r>
+              <a:rPr lang="en-US" altLang="zh-CN" sz="2800" dirty="0"/>
+              <a:t>Since the set of splitting rules used to segment the predictor space can be summarized in a tree, these types of approaches are known as decision-tree methods. </a:t>
+            </a:r>
+          </a:p>
+        </p:txBody>
+      </p:sp>
+    </p:spTree>
+    <p:extLst>
+      <p:ext uri="{BB962C8B-B14F-4D97-AF65-F5344CB8AC3E}">
+        <p14:creationId xmlns:p14="http://schemas.microsoft.com/office/powerpoint/2010/main" val="1133079338"/>
+      </p:ext>
+    </p:extLst>
+  </p:cSld>
+  <p:clrMapOvr>
+    <a:masterClrMapping/>
+  </p:clrMapOvr>
+</p:sld>
+</file>
+
+<file path=ppt/slides/slide17.xml><?xml version="1.0" encoding="utf-8"?>
+<p:sld xmlns:a="http://schemas.openxmlformats.org/drawingml/2006/main" xmlns:r="http://schemas.openxmlformats.org/officeDocument/2006/relationships" xmlns:p="http://schemas.openxmlformats.org/presentationml/2006/main">
+  <p:cSld>
+    <p:spTree>
+      <p:nvGrpSpPr>
+        <p:cNvPr id="1" name=""/>
+        <p:cNvGrpSpPr/>
+        <p:nvPr/>
+      </p:nvGrpSpPr>
+      <p:grpSpPr>
+        <a:xfrm>
+          <a:off x="0" y="0"/>
+          <a:ext cx="0" cy="0"/>
+          <a:chOff x="0" y="0"/>
+          <a:chExt cx="0" cy="0"/>
+        </a:xfrm>
+      </p:grpSpPr>
+      <p:sp>
+        <p:nvSpPr>
+          <p:cNvPr id="2" name="Title 1"/>
+          <p:cNvSpPr>
+            <a:spLocks noGrp="1"/>
+          </p:cNvSpPr>
+          <p:nvPr>
+            <p:ph type="title"/>
+          </p:nvPr>
+        </p:nvSpPr>
+        <p:spPr>
+          <a:xfrm>
+            <a:off x="838200" y="365126"/>
+            <a:ext cx="10515600" cy="981894"/>
+          </a:xfrm>
+        </p:spPr>
+        <p:txBody>
+          <a:bodyPr>
+            <a:normAutofit/>
+          </a:bodyPr>
+          <a:lstStyle/>
+          <a:p>
+            <a:r>
+              <a:rPr lang="en-US" sz="4400" dirty="0"/>
+              <a:t>Pros and Cons </a:t>
+            </a:r>
+            <a:endParaRPr lang="en-US" dirty="0"/>
+          </a:p>
+        </p:txBody>
+      </p:sp>
+      <p:sp>
+        <p:nvSpPr>
+          <p:cNvPr id="3" name="TextBox 2">
+            <a:extLst>
+              <a:ext uri="{FF2B5EF4-FFF2-40B4-BE49-F238E27FC236}">
+                <a16:creationId xmlns:a16="http://schemas.microsoft.com/office/drawing/2014/main" id="{75BA6C4A-31F3-BD25-5B6E-B70034BBDC51}"/>
+              </a:ext>
+            </a:extLst>
+          </p:cNvPr>
+          <p:cNvSpPr txBox="1"/>
+          <p:nvPr/>
+        </p:nvSpPr>
+        <p:spPr>
+          <a:xfrm>
+            <a:off x="838200" y="1677513"/>
+            <a:ext cx="10073640" cy="523220"/>
+          </a:xfrm>
+          <a:prstGeom prst="rect">
+            <a:avLst/>
+          </a:prstGeom>
+          <a:noFill/>
+        </p:spPr>
+        <p:txBody>
+          <a:bodyPr wrap="square">
+            <a:spAutoFit/>
+          </a:bodyPr>
+          <a:lstStyle/>
+          <a:p>
+            <a:r>
+              <a:rPr lang="en-US" altLang="zh-CN" sz="2800" dirty="0"/>
+              <a:t>Tree-based methods are simple and useful for interpretation.  </a:t>
+            </a:r>
+          </a:p>
+        </p:txBody>
+      </p:sp>
+      <p:sp>
+        <p:nvSpPr>
+          <p:cNvPr id="4" name="TextBox 3">
+            <a:extLst>
+              <a:ext uri="{FF2B5EF4-FFF2-40B4-BE49-F238E27FC236}">
+                <a16:creationId xmlns:a16="http://schemas.microsoft.com/office/drawing/2014/main" id="{E5B18A56-807E-F894-35F4-7BBC0283C65C}"/>
+              </a:ext>
+            </a:extLst>
+          </p:cNvPr>
+          <p:cNvSpPr txBox="1"/>
+          <p:nvPr/>
+        </p:nvSpPr>
+        <p:spPr>
+          <a:xfrm>
+            <a:off x="838200" y="2730025"/>
+            <a:ext cx="10073640" cy="954107"/>
+          </a:xfrm>
+          <a:prstGeom prst="rect">
+            <a:avLst/>
+          </a:prstGeom>
+          <a:noFill/>
+        </p:spPr>
+        <p:txBody>
+          <a:bodyPr wrap="square">
+            <a:spAutoFit/>
+          </a:bodyPr>
+          <a:lstStyle/>
+          <a:p>
+            <a:r>
+              <a:rPr lang="en-US" altLang="zh-CN" sz="2800" dirty="0"/>
+              <a:t>We will also discuss methods that can grow multiple trees which are then combined to yield a single consensus prediction </a:t>
+            </a:r>
+          </a:p>
+        </p:txBody>
+      </p:sp>
+      <p:sp>
+        <p:nvSpPr>
+          <p:cNvPr id="7" name="TextBox 6">
+            <a:extLst>
+              <a:ext uri="{FF2B5EF4-FFF2-40B4-BE49-F238E27FC236}">
+                <a16:creationId xmlns:a16="http://schemas.microsoft.com/office/drawing/2014/main" id="{FC138D97-7457-2463-F8CF-51951D69F08F}"/>
+              </a:ext>
+            </a:extLst>
+          </p:cNvPr>
+          <p:cNvSpPr txBox="1"/>
+          <p:nvPr/>
+        </p:nvSpPr>
+        <p:spPr>
+          <a:xfrm>
+            <a:off x="838200" y="4339750"/>
+            <a:ext cx="10073640" cy="1384995"/>
+          </a:xfrm>
+          <a:prstGeom prst="rect">
+            <a:avLst/>
+          </a:prstGeom>
+          <a:noFill/>
+        </p:spPr>
+        <p:txBody>
+          <a:bodyPr wrap="square">
+            <a:spAutoFit/>
+          </a:bodyPr>
+          <a:lstStyle/>
+          <a:p>
+            <a:r>
+              <a:rPr lang="en-US" altLang="zh-CN" sz="2800" dirty="0"/>
+              <a:t>Combining a large number of trees can often result in dramatic improvements in prediction accuracy, at the expense of some loss interpretation</a:t>
+            </a:r>
+            <a:r>
+              <a:rPr lang="en-US" altLang="zh-CN" sz="2800"/>
+              <a:t>. </a:t>
+            </a:r>
+            <a:endParaRPr lang="en-US" altLang="zh-CN" sz="2800" dirty="0"/>
+          </a:p>
+        </p:txBody>
+      </p:sp>
+    </p:spTree>
+    <p:extLst>
+      <p:ext uri="{BB962C8B-B14F-4D97-AF65-F5344CB8AC3E}">
+        <p14:creationId xmlns:p14="http://schemas.microsoft.com/office/powerpoint/2010/main" val="3521302614"/>
+      </p:ext>
+    </p:extLst>
+  </p:cSld>
+  <p:clrMapOvr>
+    <a:masterClrMapping/>
+  </p:clrMapOvr>
+</p:sld>
+</file>
+
+<file path=ppt/slides/slide18.xml><?xml version="1.0" encoding="utf-8"?>
 <p:sld xmlns:a="http://schemas.openxmlformats.org/drawingml/2006/main" xmlns:r="http://schemas.openxmlformats.org/officeDocument/2006/relationships" xmlns:p="http://schemas.openxmlformats.org/presentationml/2006/main">
   <p:cSld>
     <p:spTree>

--- a/_umkc-teaching/slides/Lecture8.pptx
+++ b/_umkc-teaching/slides/Lecture8.pptx
@@ -5,7 +5,7 @@
     <p:sldMasterId id="2147483660" r:id="rId1"/>
   </p:sldMasterIdLst>
   <p:notesMasterIdLst>
-    <p:notesMasterId r:id="rId20"/>
+    <p:notesMasterId r:id="rId23"/>
   </p:notesMasterIdLst>
   <p:sldIdLst>
     <p:sldId id="257" r:id="rId2"/>
@@ -25,7 +25,10 @@
     <p:sldId id="354" r:id="rId16"/>
     <p:sldId id="355" r:id="rId17"/>
     <p:sldId id="356" r:id="rId18"/>
-    <p:sldId id="325" r:id="rId19"/>
+    <p:sldId id="357" r:id="rId19"/>
+    <p:sldId id="358" r:id="rId20"/>
+    <p:sldId id="359" r:id="rId21"/>
+    <p:sldId id="325" r:id="rId22"/>
   </p:sldIdLst>
   <p:sldSz cx="12192000" cy="6858000"/>
   <p:notesSz cx="6858000" cy="9144000"/>
@@ -1184,6 +1187,273 @@
     <p:extLst>
       <p:ext uri="{BB962C8B-B14F-4D97-AF65-F5344CB8AC3E}">
         <p14:creationId xmlns:p14="http://schemas.microsoft.com/office/powerpoint/2010/main" val="682891103"/>
+      </p:ext>
+    </p:extLst>
+  </p:cSld>
+  <p:clrMapOvr>
+    <a:masterClrMapping/>
+  </p:clrMapOvr>
+</p:notes>
+</file>
+
+<file path=ppt/notesSlides/notesSlide17.xml><?xml version="1.0" encoding="utf-8"?>
+<p:notes xmlns:a="http://schemas.openxmlformats.org/drawingml/2006/main" xmlns:r="http://schemas.openxmlformats.org/officeDocument/2006/relationships" xmlns:p="http://schemas.openxmlformats.org/presentationml/2006/main">
+  <p:cSld>
+    <p:spTree>
+      <p:nvGrpSpPr>
+        <p:cNvPr id="1" name=""/>
+        <p:cNvGrpSpPr/>
+        <p:nvPr/>
+      </p:nvGrpSpPr>
+      <p:grpSpPr>
+        <a:xfrm>
+          <a:off x="0" y="0"/>
+          <a:ext cx="0" cy="0"/>
+          <a:chOff x="0" y="0"/>
+          <a:chExt cx="0" cy="0"/>
+        </a:xfrm>
+      </p:grpSpPr>
+      <p:sp>
+        <p:nvSpPr>
+          <p:cNvPr id="2" name="Slide Image Placeholder 1"/>
+          <p:cNvSpPr>
+            <a:spLocks noGrp="1" noRot="1" noChangeAspect="1"/>
+          </p:cNvSpPr>
+          <p:nvPr>
+            <p:ph type="sldImg"/>
+          </p:nvPr>
+        </p:nvSpPr>
+        <p:spPr>
+          <a:xfrm>
+            <a:off x="685800" y="1143000"/>
+            <a:ext cx="5486400" cy="3086100"/>
+          </a:xfrm>
+        </p:spPr>
+      </p:sp>
+      <p:sp>
+        <p:nvSpPr>
+          <p:cNvPr id="3" name="Notes Placeholder 2"/>
+          <p:cNvSpPr>
+            <a:spLocks noGrp="1"/>
+          </p:cNvSpPr>
+          <p:nvPr>
+            <p:ph type="body" idx="1"/>
+          </p:nvPr>
+        </p:nvSpPr>
+        <p:spPr/>
+        <p:txBody>
+          <a:bodyPr/>
+          <a:lstStyle/>
+          <a:p>
+            <a:endParaRPr lang="en-US" dirty="0"/>
+          </a:p>
+        </p:txBody>
+      </p:sp>
+      <p:sp>
+        <p:nvSpPr>
+          <p:cNvPr id="4" name="Slide Number Placeholder 3"/>
+          <p:cNvSpPr>
+            <a:spLocks noGrp="1"/>
+          </p:cNvSpPr>
+          <p:nvPr>
+            <p:ph type="sldNum" sz="quarter" idx="5"/>
+          </p:nvPr>
+        </p:nvSpPr>
+        <p:spPr/>
+        <p:txBody>
+          <a:bodyPr/>
+          <a:lstStyle/>
+          <a:p>
+            <a:fld id="{3F8BDF20-BE86-4883-8A23-4CE3D0058BEA}" type="slidenum">
+              <a:rPr lang="en-US" smtClean="0"/>
+              <a:t>18</a:t>
+            </a:fld>
+            <a:endParaRPr lang="en-US"/>
+          </a:p>
+        </p:txBody>
+      </p:sp>
+    </p:spTree>
+    <p:extLst>
+      <p:ext uri="{BB962C8B-B14F-4D97-AF65-F5344CB8AC3E}">
+        <p14:creationId xmlns:p14="http://schemas.microsoft.com/office/powerpoint/2010/main" val="384427679"/>
+      </p:ext>
+    </p:extLst>
+  </p:cSld>
+  <p:clrMapOvr>
+    <a:masterClrMapping/>
+  </p:clrMapOvr>
+</p:notes>
+</file>
+
+<file path=ppt/notesSlides/notesSlide18.xml><?xml version="1.0" encoding="utf-8"?>
+<p:notes xmlns:a="http://schemas.openxmlformats.org/drawingml/2006/main" xmlns:r="http://schemas.openxmlformats.org/officeDocument/2006/relationships" xmlns:p="http://schemas.openxmlformats.org/presentationml/2006/main">
+  <p:cSld>
+    <p:spTree>
+      <p:nvGrpSpPr>
+        <p:cNvPr id="1" name=""/>
+        <p:cNvGrpSpPr/>
+        <p:nvPr/>
+      </p:nvGrpSpPr>
+      <p:grpSpPr>
+        <a:xfrm>
+          <a:off x="0" y="0"/>
+          <a:ext cx="0" cy="0"/>
+          <a:chOff x="0" y="0"/>
+          <a:chExt cx="0" cy="0"/>
+        </a:xfrm>
+      </p:grpSpPr>
+      <p:sp>
+        <p:nvSpPr>
+          <p:cNvPr id="2" name="Slide Image Placeholder 1"/>
+          <p:cNvSpPr>
+            <a:spLocks noGrp="1" noRot="1" noChangeAspect="1"/>
+          </p:cNvSpPr>
+          <p:nvPr>
+            <p:ph type="sldImg"/>
+          </p:nvPr>
+        </p:nvSpPr>
+        <p:spPr>
+          <a:xfrm>
+            <a:off x="685800" y="1143000"/>
+            <a:ext cx="5486400" cy="3086100"/>
+          </a:xfrm>
+        </p:spPr>
+      </p:sp>
+      <p:sp>
+        <p:nvSpPr>
+          <p:cNvPr id="3" name="Notes Placeholder 2"/>
+          <p:cNvSpPr>
+            <a:spLocks noGrp="1"/>
+          </p:cNvSpPr>
+          <p:nvPr>
+            <p:ph type="body" idx="1"/>
+          </p:nvPr>
+        </p:nvSpPr>
+        <p:spPr/>
+        <p:txBody>
+          <a:bodyPr/>
+          <a:lstStyle/>
+          <a:p>
+            <a:endParaRPr lang="en-US" dirty="0"/>
+          </a:p>
+        </p:txBody>
+      </p:sp>
+      <p:sp>
+        <p:nvSpPr>
+          <p:cNvPr id="4" name="Slide Number Placeholder 3"/>
+          <p:cNvSpPr>
+            <a:spLocks noGrp="1"/>
+          </p:cNvSpPr>
+          <p:nvPr>
+            <p:ph type="sldNum" sz="quarter" idx="5"/>
+          </p:nvPr>
+        </p:nvSpPr>
+        <p:spPr/>
+        <p:txBody>
+          <a:bodyPr/>
+          <a:lstStyle/>
+          <a:p>
+            <a:fld id="{3F8BDF20-BE86-4883-8A23-4CE3D0058BEA}" type="slidenum">
+              <a:rPr lang="en-US" smtClean="0"/>
+              <a:t>19</a:t>
+            </a:fld>
+            <a:endParaRPr lang="en-US"/>
+          </a:p>
+        </p:txBody>
+      </p:sp>
+    </p:spTree>
+    <p:extLst>
+      <p:ext uri="{BB962C8B-B14F-4D97-AF65-F5344CB8AC3E}">
+        <p14:creationId xmlns:p14="http://schemas.microsoft.com/office/powerpoint/2010/main" val="1620780613"/>
+      </p:ext>
+    </p:extLst>
+  </p:cSld>
+  <p:clrMapOvr>
+    <a:masterClrMapping/>
+  </p:clrMapOvr>
+</p:notes>
+</file>
+
+<file path=ppt/notesSlides/notesSlide19.xml><?xml version="1.0" encoding="utf-8"?>
+<p:notes xmlns:a="http://schemas.openxmlformats.org/drawingml/2006/main" xmlns:r="http://schemas.openxmlformats.org/officeDocument/2006/relationships" xmlns:p="http://schemas.openxmlformats.org/presentationml/2006/main">
+  <p:cSld>
+    <p:spTree>
+      <p:nvGrpSpPr>
+        <p:cNvPr id="1" name=""/>
+        <p:cNvGrpSpPr/>
+        <p:nvPr/>
+      </p:nvGrpSpPr>
+      <p:grpSpPr>
+        <a:xfrm>
+          <a:off x="0" y="0"/>
+          <a:ext cx="0" cy="0"/>
+          <a:chOff x="0" y="0"/>
+          <a:chExt cx="0" cy="0"/>
+        </a:xfrm>
+      </p:grpSpPr>
+      <p:sp>
+        <p:nvSpPr>
+          <p:cNvPr id="2" name="Slide Image Placeholder 1"/>
+          <p:cNvSpPr>
+            <a:spLocks noGrp="1" noRot="1" noChangeAspect="1"/>
+          </p:cNvSpPr>
+          <p:nvPr>
+            <p:ph type="sldImg"/>
+          </p:nvPr>
+        </p:nvSpPr>
+        <p:spPr>
+          <a:xfrm>
+            <a:off x="685800" y="1143000"/>
+            <a:ext cx="5486400" cy="3086100"/>
+          </a:xfrm>
+        </p:spPr>
+      </p:sp>
+      <p:sp>
+        <p:nvSpPr>
+          <p:cNvPr id="3" name="Notes Placeholder 2"/>
+          <p:cNvSpPr>
+            <a:spLocks noGrp="1"/>
+          </p:cNvSpPr>
+          <p:nvPr>
+            <p:ph type="body" idx="1"/>
+          </p:nvPr>
+        </p:nvSpPr>
+        <p:spPr/>
+        <p:txBody>
+          <a:bodyPr/>
+          <a:lstStyle/>
+          <a:p>
+            <a:endParaRPr lang="en-US" dirty="0"/>
+          </a:p>
+        </p:txBody>
+      </p:sp>
+      <p:sp>
+        <p:nvSpPr>
+          <p:cNvPr id="4" name="Slide Number Placeholder 3"/>
+          <p:cNvSpPr>
+            <a:spLocks noGrp="1"/>
+          </p:cNvSpPr>
+          <p:nvPr>
+            <p:ph type="sldNum" sz="quarter" idx="5"/>
+          </p:nvPr>
+        </p:nvSpPr>
+        <p:spPr/>
+        <p:txBody>
+          <a:bodyPr/>
+          <a:lstStyle/>
+          <a:p>
+            <a:fld id="{3F8BDF20-BE86-4883-8A23-4CE3D0058BEA}" type="slidenum">
+              <a:rPr lang="en-US" smtClean="0"/>
+              <a:t>20</a:t>
+            </a:fld>
+            <a:endParaRPr lang="en-US"/>
+          </a:p>
+        </p:txBody>
+      </p:sp>
+    </p:spTree>
+    <p:extLst>
+      <p:ext uri="{BB962C8B-B14F-4D97-AF65-F5344CB8AC3E}">
+        <p14:creationId xmlns:p14="http://schemas.microsoft.com/office/powerpoint/2010/main" val="4206038289"/>
       </p:ext>
     </p:extLst>
   </p:cSld>
@@ -6141,13 +6411,8 @@
           <a:p>
             <a:r>
               <a:rPr lang="en-US" altLang="zh-CN" sz="2800" dirty="0"/>
-              <a:t>Combining a large number of trees can often result in dramatic improvements in prediction accuracy, at the expense of some loss interpretation</a:t>
-            </a:r>
-            <a:r>
-              <a:rPr lang="en-US" altLang="zh-CN" sz="2800"/>
-              <a:t>. </a:t>
-            </a:r>
-            <a:endParaRPr lang="en-US" altLang="zh-CN" sz="2800" dirty="0"/>
+              <a:t>Combining a large number of trees can often result in dramatic improvements in prediction accuracy, at the expense of some loss interpretation. </a:t>
+            </a:r>
           </a:p>
         </p:txBody>
       </p:sp>
@@ -6183,43 +6448,218 @@
       </p:grpSpPr>
       <p:sp>
         <p:nvSpPr>
-          <p:cNvPr id="10" name="TextBox 9">
+          <p:cNvPr id="2" name="Title 1"/>
+          <p:cNvSpPr>
+            <a:spLocks noGrp="1"/>
+          </p:cNvSpPr>
+          <p:nvPr>
+            <p:ph type="title"/>
+          </p:nvPr>
+        </p:nvSpPr>
+        <p:spPr>
+          <a:xfrm>
+            <a:off x="838200" y="365126"/>
+            <a:ext cx="10515600" cy="981894"/>
+          </a:xfrm>
+        </p:spPr>
+        <p:txBody>
+          <a:bodyPr>
+            <a:normAutofit/>
+          </a:bodyPr>
+          <a:lstStyle/>
+          <a:p>
+            <a:r>
+              <a:rPr lang="en-US" sz="4400" dirty="0"/>
+              <a:t>Decision Tree Example</a:t>
+            </a:r>
+            <a:endParaRPr lang="en-US" dirty="0"/>
+          </a:p>
+        </p:txBody>
+      </p:sp>
+      <p:pic>
+        <p:nvPicPr>
+          <p:cNvPr id="5" name="Picture 4">
             <a:extLst>
               <a:ext uri="{FF2B5EF4-FFF2-40B4-BE49-F238E27FC236}">
-                <a16:creationId xmlns:a16="http://schemas.microsoft.com/office/drawing/2014/main" id="{514E73AD-7A38-9D42-8C4C-ADC0FDE0FBC3}"/>
+                <a16:creationId xmlns:a16="http://schemas.microsoft.com/office/drawing/2014/main" id="{A90799C4-10F9-71E6-E1CE-13FC23C4E8BB}"/>
               </a:ext>
             </a:extLst>
           </p:cNvPr>
-          <p:cNvSpPr txBox="1"/>
+          <p:cNvPicPr>
+            <a:picLocks noChangeAspect="1"/>
+          </p:cNvPicPr>
           <p:nvPr/>
-        </p:nvSpPr>
-        <p:spPr>
-          <a:xfrm>
-            <a:off x="4792980" y="2601575"/>
-            <a:ext cx="5951220" cy="1077218"/>
+        </p:nvPicPr>
+        <p:blipFill>
+          <a:blip r:embed="rId3"/>
+          <a:stretch>
+            <a:fillRect/>
+          </a:stretch>
+        </p:blipFill>
+        <p:spPr>
+          <a:xfrm>
+            <a:off x="1431925" y="1735137"/>
+            <a:ext cx="4241800" cy="4330700"/>
           </a:xfrm>
           <a:prstGeom prst="rect">
             <a:avLst/>
           </a:prstGeom>
-          <a:noFill/>
-        </p:spPr>
-        <p:txBody>
-          <a:bodyPr wrap="square">
-            <a:spAutoFit/>
-          </a:bodyPr>
-          <a:lstStyle/>
-          <a:p>
-            <a:r>
-              <a:rPr lang="en-US" sz="6400" dirty="0"/>
-              <a:t>Q &amp; A</a:t>
-            </a:r>
-          </a:p>
-        </p:txBody>
-      </p:sp>
+        </p:spPr>
+      </p:pic>
+      <p:pic>
+        <p:nvPicPr>
+          <p:cNvPr id="6" name="Picture 5">
+            <a:extLst>
+              <a:ext uri="{FF2B5EF4-FFF2-40B4-BE49-F238E27FC236}">
+                <a16:creationId xmlns:a16="http://schemas.microsoft.com/office/drawing/2014/main" id="{63D2F275-1F4F-8998-3D2B-5610E70D304F}"/>
+              </a:ext>
+            </a:extLst>
+          </p:cNvPr>
+          <p:cNvPicPr>
+            <a:picLocks noChangeAspect="1"/>
+          </p:cNvPicPr>
+          <p:nvPr/>
+        </p:nvPicPr>
+        <p:blipFill>
+          <a:blip r:embed="rId4"/>
+          <a:stretch>
+            <a:fillRect/>
+          </a:stretch>
+        </p:blipFill>
+        <p:spPr>
+          <a:xfrm>
+            <a:off x="6096000" y="1735137"/>
+            <a:ext cx="5092700" cy="4343400"/>
+          </a:xfrm>
+          <a:prstGeom prst="rect">
+            <a:avLst/>
+          </a:prstGeom>
+        </p:spPr>
+      </p:pic>
     </p:spTree>
     <p:extLst>
       <p:ext uri="{BB962C8B-B14F-4D97-AF65-F5344CB8AC3E}">
-        <p14:creationId xmlns:p14="http://schemas.microsoft.com/office/powerpoint/2010/main" val="1222215017"/>
+        <p14:creationId xmlns:p14="http://schemas.microsoft.com/office/powerpoint/2010/main" val="221629056"/>
+      </p:ext>
+    </p:extLst>
+  </p:cSld>
+  <p:clrMapOvr>
+    <a:masterClrMapping/>
+  </p:clrMapOvr>
+</p:sld>
+</file>
+
+<file path=ppt/slides/slide19.xml><?xml version="1.0" encoding="utf-8"?>
+<p:sld xmlns:a="http://schemas.openxmlformats.org/drawingml/2006/main" xmlns:r="http://schemas.openxmlformats.org/officeDocument/2006/relationships" xmlns:p="http://schemas.openxmlformats.org/presentationml/2006/main">
+  <p:cSld>
+    <p:spTree>
+      <p:nvGrpSpPr>
+        <p:cNvPr id="1" name=""/>
+        <p:cNvGrpSpPr/>
+        <p:nvPr/>
+      </p:nvGrpSpPr>
+      <p:grpSpPr>
+        <a:xfrm>
+          <a:off x="0" y="0"/>
+          <a:ext cx="0" cy="0"/>
+          <a:chOff x="0" y="0"/>
+          <a:chExt cx="0" cy="0"/>
+        </a:xfrm>
+      </p:grpSpPr>
+      <p:sp>
+        <p:nvSpPr>
+          <p:cNvPr id="2" name="Title 1"/>
+          <p:cNvSpPr>
+            <a:spLocks noGrp="1"/>
+          </p:cNvSpPr>
+          <p:nvPr>
+            <p:ph type="title"/>
+          </p:nvPr>
+        </p:nvSpPr>
+        <p:spPr>
+          <a:xfrm>
+            <a:off x="838200" y="365126"/>
+            <a:ext cx="10515600" cy="981894"/>
+          </a:xfrm>
+        </p:spPr>
+        <p:txBody>
+          <a:bodyPr>
+            <a:normAutofit/>
+          </a:bodyPr>
+          <a:lstStyle/>
+          <a:p>
+            <a:r>
+              <a:rPr lang="en-US" sz="4400" dirty="0"/>
+              <a:t>Decision Tree Example</a:t>
+            </a:r>
+            <a:endParaRPr lang="en-US" dirty="0"/>
+          </a:p>
+        </p:txBody>
+      </p:sp>
+      <p:pic>
+        <p:nvPicPr>
+          <p:cNvPr id="5" name="Picture 4">
+            <a:extLst>
+              <a:ext uri="{FF2B5EF4-FFF2-40B4-BE49-F238E27FC236}">
+                <a16:creationId xmlns:a16="http://schemas.microsoft.com/office/drawing/2014/main" id="{A90799C4-10F9-71E6-E1CE-13FC23C4E8BB}"/>
+              </a:ext>
+            </a:extLst>
+          </p:cNvPr>
+          <p:cNvPicPr>
+            <a:picLocks noChangeAspect="1"/>
+          </p:cNvPicPr>
+          <p:nvPr/>
+        </p:nvPicPr>
+        <p:blipFill>
+          <a:blip r:embed="rId3"/>
+          <a:stretch>
+            <a:fillRect/>
+          </a:stretch>
+        </p:blipFill>
+        <p:spPr>
+          <a:xfrm>
+            <a:off x="1431925" y="1735137"/>
+            <a:ext cx="4241800" cy="4330700"/>
+          </a:xfrm>
+          <a:prstGeom prst="rect">
+            <a:avLst/>
+          </a:prstGeom>
+        </p:spPr>
+      </p:pic>
+      <p:pic>
+        <p:nvPicPr>
+          <p:cNvPr id="6" name="Picture 5">
+            <a:extLst>
+              <a:ext uri="{FF2B5EF4-FFF2-40B4-BE49-F238E27FC236}">
+                <a16:creationId xmlns:a16="http://schemas.microsoft.com/office/drawing/2014/main" id="{63D2F275-1F4F-8998-3D2B-5610E70D304F}"/>
+              </a:ext>
+            </a:extLst>
+          </p:cNvPr>
+          <p:cNvPicPr>
+            <a:picLocks noChangeAspect="1"/>
+          </p:cNvPicPr>
+          <p:nvPr/>
+        </p:nvPicPr>
+        <p:blipFill>
+          <a:blip r:embed="rId4"/>
+          <a:stretch>
+            <a:fillRect/>
+          </a:stretch>
+        </p:blipFill>
+        <p:spPr>
+          <a:xfrm>
+            <a:off x="6096000" y="1735137"/>
+            <a:ext cx="5092700" cy="4343400"/>
+          </a:xfrm>
+          <a:prstGeom prst="rect">
+            <a:avLst/>
+          </a:prstGeom>
+        </p:spPr>
+      </p:pic>
+    </p:spTree>
+    <p:extLst>
+      <p:ext uri="{BB962C8B-B14F-4D97-AF65-F5344CB8AC3E}">
+        <p14:creationId xmlns:p14="http://schemas.microsoft.com/office/powerpoint/2010/main" val="1709944997"/>
       </p:ext>
     </p:extLst>
   </p:cSld>
@@ -6387,6 +6827,161 @@
     <p:extLst>
       <p:ext uri="{BB962C8B-B14F-4D97-AF65-F5344CB8AC3E}">
         <p14:creationId xmlns:p14="http://schemas.microsoft.com/office/powerpoint/2010/main" val="1624512427"/>
+      </p:ext>
+    </p:extLst>
+  </p:cSld>
+  <p:clrMapOvr>
+    <a:masterClrMapping/>
+  </p:clrMapOvr>
+</p:sld>
+</file>
+
+<file path=ppt/slides/slide20.xml><?xml version="1.0" encoding="utf-8"?>
+<p:sld xmlns:a="http://schemas.openxmlformats.org/drawingml/2006/main" xmlns:r="http://schemas.openxmlformats.org/officeDocument/2006/relationships" xmlns:p="http://schemas.openxmlformats.org/presentationml/2006/main">
+  <p:cSld>
+    <p:spTree>
+      <p:nvGrpSpPr>
+        <p:cNvPr id="1" name=""/>
+        <p:cNvGrpSpPr/>
+        <p:nvPr/>
+      </p:nvGrpSpPr>
+      <p:grpSpPr>
+        <a:xfrm>
+          <a:off x="0" y="0"/>
+          <a:ext cx="0" cy="0"/>
+          <a:chOff x="0" y="0"/>
+          <a:chExt cx="0" cy="0"/>
+        </a:xfrm>
+      </p:grpSpPr>
+      <p:sp>
+        <p:nvSpPr>
+          <p:cNvPr id="2" name="Title 1"/>
+          <p:cNvSpPr>
+            <a:spLocks noGrp="1"/>
+          </p:cNvSpPr>
+          <p:nvPr>
+            <p:ph type="title"/>
+          </p:nvPr>
+        </p:nvSpPr>
+        <p:spPr>
+          <a:xfrm>
+            <a:off x="838200" y="365126"/>
+            <a:ext cx="10515600" cy="981894"/>
+          </a:xfrm>
+        </p:spPr>
+        <p:txBody>
+          <a:bodyPr>
+            <a:normAutofit/>
+          </a:bodyPr>
+          <a:lstStyle/>
+          <a:p>
+            <a:r>
+              <a:rPr lang="en-US" sz="4400" dirty="0"/>
+              <a:t>Decision Tree Example</a:t>
+            </a:r>
+            <a:endParaRPr lang="en-US" dirty="0"/>
+          </a:p>
+        </p:txBody>
+      </p:sp>
+      <p:pic>
+        <p:nvPicPr>
+          <p:cNvPr id="3" name="Picture 2">
+            <a:extLst>
+              <a:ext uri="{FF2B5EF4-FFF2-40B4-BE49-F238E27FC236}">
+                <a16:creationId xmlns:a16="http://schemas.microsoft.com/office/drawing/2014/main" id="{4D63910E-F9AF-CF27-45E9-9D31371279B5}"/>
+              </a:ext>
+            </a:extLst>
+          </p:cNvPr>
+          <p:cNvPicPr>
+            <a:picLocks noChangeAspect="1"/>
+          </p:cNvPicPr>
+          <p:nvPr/>
+        </p:nvPicPr>
+        <p:blipFill>
+          <a:blip r:embed="rId3"/>
+          <a:stretch>
+            <a:fillRect/>
+          </a:stretch>
+        </p:blipFill>
+        <p:spPr>
+          <a:xfrm>
+            <a:off x="2120899" y="1718110"/>
+            <a:ext cx="7308851" cy="5139890"/>
+          </a:xfrm>
+          <a:prstGeom prst="rect">
+            <a:avLst/>
+          </a:prstGeom>
+        </p:spPr>
+      </p:pic>
+    </p:spTree>
+    <p:extLst>
+      <p:ext uri="{BB962C8B-B14F-4D97-AF65-F5344CB8AC3E}">
+        <p14:creationId xmlns:p14="http://schemas.microsoft.com/office/powerpoint/2010/main" val="2988893810"/>
+      </p:ext>
+    </p:extLst>
+  </p:cSld>
+  <p:clrMapOvr>
+    <a:masterClrMapping/>
+  </p:clrMapOvr>
+</p:sld>
+</file>
+
+<file path=ppt/slides/slide21.xml><?xml version="1.0" encoding="utf-8"?>
+<p:sld xmlns:a="http://schemas.openxmlformats.org/drawingml/2006/main" xmlns:r="http://schemas.openxmlformats.org/officeDocument/2006/relationships" xmlns:p="http://schemas.openxmlformats.org/presentationml/2006/main">
+  <p:cSld>
+    <p:spTree>
+      <p:nvGrpSpPr>
+        <p:cNvPr id="1" name=""/>
+        <p:cNvGrpSpPr/>
+        <p:nvPr/>
+      </p:nvGrpSpPr>
+      <p:grpSpPr>
+        <a:xfrm>
+          <a:off x="0" y="0"/>
+          <a:ext cx="0" cy="0"/>
+          <a:chOff x="0" y="0"/>
+          <a:chExt cx="0" cy="0"/>
+        </a:xfrm>
+      </p:grpSpPr>
+      <p:sp>
+        <p:nvSpPr>
+          <p:cNvPr id="10" name="TextBox 9">
+            <a:extLst>
+              <a:ext uri="{FF2B5EF4-FFF2-40B4-BE49-F238E27FC236}">
+                <a16:creationId xmlns:a16="http://schemas.microsoft.com/office/drawing/2014/main" id="{514E73AD-7A38-9D42-8C4C-ADC0FDE0FBC3}"/>
+              </a:ext>
+            </a:extLst>
+          </p:cNvPr>
+          <p:cNvSpPr txBox="1"/>
+          <p:nvPr/>
+        </p:nvSpPr>
+        <p:spPr>
+          <a:xfrm>
+            <a:off x="4792980" y="2601575"/>
+            <a:ext cx="5951220" cy="1077218"/>
+          </a:xfrm>
+          <a:prstGeom prst="rect">
+            <a:avLst/>
+          </a:prstGeom>
+          <a:noFill/>
+        </p:spPr>
+        <p:txBody>
+          <a:bodyPr wrap="square">
+            <a:spAutoFit/>
+          </a:bodyPr>
+          <a:lstStyle/>
+          <a:p>
+            <a:r>
+              <a:rPr lang="en-US" sz="6400" dirty="0"/>
+              <a:t>Q &amp; A</a:t>
+            </a:r>
+          </a:p>
+        </p:txBody>
+      </p:sp>
+    </p:spTree>
+    <p:extLst>
+      <p:ext uri="{BB962C8B-B14F-4D97-AF65-F5344CB8AC3E}">
+        <p14:creationId xmlns:p14="http://schemas.microsoft.com/office/powerpoint/2010/main" val="1222215017"/>
       </p:ext>
     </p:extLst>
   </p:cSld>
@@ -6587,6 +7182,36 @@
           <a:xfrm>
             <a:off x="1681078" y="1860550"/>
             <a:ext cx="8538687" cy="1139626"/>
+          </a:xfrm>
+          <a:prstGeom prst="rect">
+            <a:avLst/>
+          </a:prstGeom>
+        </p:spPr>
+      </p:pic>
+      <p:pic>
+        <p:nvPicPr>
+          <p:cNvPr id="12" name="Picture 11">
+            <a:extLst>
+              <a:ext uri="{FF2B5EF4-FFF2-40B4-BE49-F238E27FC236}">
+                <a16:creationId xmlns:a16="http://schemas.microsoft.com/office/drawing/2014/main" id="{4BF75F3B-BEE1-DEA9-07F1-542CAF5AE8C0}"/>
+              </a:ext>
+            </a:extLst>
+          </p:cNvPr>
+          <p:cNvPicPr>
+            <a:picLocks noChangeAspect="1"/>
+          </p:cNvPicPr>
+          <p:nvPr/>
+        </p:nvPicPr>
+        <p:blipFill>
+          <a:blip r:embed="rId4"/>
+          <a:stretch>
+            <a:fillRect/>
+          </a:stretch>
+        </p:blipFill>
+        <p:spPr>
+          <a:xfrm>
+            <a:off x="1681078" y="3665537"/>
+            <a:ext cx="8194386" cy="1349375"/>
           </a:xfrm>
           <a:prstGeom prst="rect">
             <a:avLst/>
